--- a/Presentation Slides.pptx
+++ b/Presentation Slides.pptx
@@ -15,6 +15,9 @@
     <p:sldId id="263" r:id="rId9"/>
     <p:sldId id="264" r:id="rId10"/>
     <p:sldId id="265" r:id="rId11"/>
+    <p:sldId id="266" r:id="rId12"/>
+    <p:sldId id="267" r:id="rId13"/>
+    <p:sldId id="268" r:id="rId14"/>
   </p:sldIdLst>
   <p:sldSz cx="12192000" cy="6858000"/>
   <p:notesSz cx="6858000" cy="9144000"/>
@@ -113,6 +116,11 @@
       </a:defRPr>
     </a:lvl9pPr>
   </p:defaultTextStyle>
+  <p:extLst>
+    <p:ext uri="{EFAFB233-063F-42B5-8137-9DF3F51BA10A}">
+      <p15:sldGuideLst xmlns:p15="http://schemas.microsoft.com/office/powerpoint/2012/main"/>
+    </p:ext>
+  </p:extLst>
 </p:presentation>
 </file>
 
@@ -6019,6 +6027,230 @@
 </p:sld>
 </file>
 
+<file path=ppt/slides/slide11.xml><?xml version="1.0" encoding="utf-8"?>
+<p:sld xmlns:a="http://schemas.openxmlformats.org/drawingml/2006/main" xmlns:r="http://schemas.openxmlformats.org/officeDocument/2006/relationships" xmlns:p="http://schemas.openxmlformats.org/presentationml/2006/main">
+  <p:cSld>
+    <p:spTree>
+      <p:nvGrpSpPr>
+        <p:cNvPr id="1" name=""/>
+        <p:cNvGrpSpPr/>
+        <p:nvPr/>
+      </p:nvGrpSpPr>
+      <p:grpSpPr>
+        <a:xfrm>
+          <a:off x="0" y="0"/>
+          <a:ext cx="0" cy="0"/>
+          <a:chOff x="0" y="0"/>
+          <a:chExt cx="0" cy="0"/>
+        </a:xfrm>
+      </p:grpSpPr>
+      <p:sp>
+        <p:nvSpPr>
+          <p:cNvPr id="2" name="Title 1">
+            <a:extLst>
+              <a:ext uri="{FF2B5EF4-FFF2-40B4-BE49-F238E27FC236}">
+                <a16:creationId xmlns:a16="http://schemas.microsoft.com/office/drawing/2014/main" id="{9FDAA5C8-DFB8-483B-862F-C7744F46AC73}"/>
+              </a:ext>
+            </a:extLst>
+          </p:cNvPr>
+          <p:cNvSpPr>
+            <a:spLocks noGrp="1"/>
+          </p:cNvSpPr>
+          <p:nvPr>
+            <p:ph type="ctrTitle"/>
+          </p:nvPr>
+        </p:nvSpPr>
+        <p:spPr/>
+        <p:txBody>
+          <a:bodyPr/>
+          <a:lstStyle/>
+          <a:p>
+            <a:r>
+              <a:rPr lang="en-US" dirty="0"/>
+              <a:t>Conclusions</a:t>
+            </a:r>
+          </a:p>
+        </p:txBody>
+      </p:sp>
+    </p:spTree>
+    <p:extLst>
+      <p:ext uri="{BB962C8B-B14F-4D97-AF65-F5344CB8AC3E}">
+        <p14:creationId xmlns:p14="http://schemas.microsoft.com/office/powerpoint/2010/main" val="3423541751"/>
+      </p:ext>
+    </p:extLst>
+  </p:cSld>
+  <p:clrMapOvr>
+    <a:masterClrMapping/>
+  </p:clrMapOvr>
+</p:sld>
+</file>
+
+<file path=ppt/slides/slide12.xml><?xml version="1.0" encoding="utf-8"?>
+<p:sld xmlns:a="http://schemas.openxmlformats.org/drawingml/2006/main" xmlns:r="http://schemas.openxmlformats.org/officeDocument/2006/relationships" xmlns:p="http://schemas.openxmlformats.org/presentationml/2006/main">
+  <p:cSld>
+    <p:spTree>
+      <p:nvGrpSpPr>
+        <p:cNvPr id="1" name=""/>
+        <p:cNvGrpSpPr/>
+        <p:nvPr/>
+      </p:nvGrpSpPr>
+      <p:grpSpPr>
+        <a:xfrm>
+          <a:off x="0" y="0"/>
+          <a:ext cx="0" cy="0"/>
+          <a:chOff x="0" y="0"/>
+          <a:chExt cx="0" cy="0"/>
+        </a:xfrm>
+      </p:grpSpPr>
+      <p:sp>
+        <p:nvSpPr>
+          <p:cNvPr id="2" name="Title 1">
+            <a:extLst>
+              <a:ext uri="{FF2B5EF4-FFF2-40B4-BE49-F238E27FC236}">
+                <a16:creationId xmlns:a16="http://schemas.microsoft.com/office/drawing/2014/main" id="{C835248E-51F9-4D8F-82EE-D9AC3F8F8629}"/>
+              </a:ext>
+            </a:extLst>
+          </p:cNvPr>
+          <p:cNvSpPr>
+            <a:spLocks noGrp="1"/>
+          </p:cNvSpPr>
+          <p:nvPr>
+            <p:ph type="title"/>
+          </p:nvPr>
+        </p:nvSpPr>
+        <p:spPr/>
+        <p:txBody>
+          <a:bodyPr/>
+          <a:lstStyle/>
+          <a:p>
+            <a:r>
+              <a:rPr lang="en-US" dirty="0"/>
+              <a:t>Top Conclusions from D</a:t>
+            </a:r>
+          </a:p>
+        </p:txBody>
+      </p:sp>
+      <p:sp>
+        <p:nvSpPr>
+          <p:cNvPr id="3" name="Content Placeholder 2">
+            <a:extLst>
+              <a:ext uri="{FF2B5EF4-FFF2-40B4-BE49-F238E27FC236}">
+                <a16:creationId xmlns:a16="http://schemas.microsoft.com/office/drawing/2014/main" id="{4FC7CF47-06C1-4F5E-B911-60715D8337A1}"/>
+              </a:ext>
+            </a:extLst>
+          </p:cNvPr>
+          <p:cNvSpPr>
+            <a:spLocks noGrp="1"/>
+          </p:cNvSpPr>
+          <p:nvPr>
+            <p:ph idx="1"/>
+          </p:nvPr>
+        </p:nvSpPr>
+        <p:spPr/>
+        <p:txBody>
+          <a:bodyPr/>
+          <a:lstStyle/>
+          <a:p>
+            <a:endParaRPr lang="en-US"/>
+          </a:p>
+        </p:txBody>
+      </p:sp>
+    </p:spTree>
+    <p:extLst>
+      <p:ext uri="{BB962C8B-B14F-4D97-AF65-F5344CB8AC3E}">
+        <p14:creationId xmlns:p14="http://schemas.microsoft.com/office/powerpoint/2010/main" val="3273089387"/>
+      </p:ext>
+    </p:extLst>
+  </p:cSld>
+  <p:clrMapOvr>
+    <a:masterClrMapping/>
+  </p:clrMapOvr>
+</p:sld>
+</file>
+
+<file path=ppt/slides/slide13.xml><?xml version="1.0" encoding="utf-8"?>
+<p:sld xmlns:a="http://schemas.openxmlformats.org/drawingml/2006/main" xmlns:r="http://schemas.openxmlformats.org/officeDocument/2006/relationships" xmlns:p="http://schemas.openxmlformats.org/presentationml/2006/main">
+  <p:cSld>
+    <p:spTree>
+      <p:nvGrpSpPr>
+        <p:cNvPr id="1" name=""/>
+        <p:cNvGrpSpPr/>
+        <p:nvPr/>
+      </p:nvGrpSpPr>
+      <p:grpSpPr>
+        <a:xfrm>
+          <a:off x="0" y="0"/>
+          <a:ext cx="0" cy="0"/>
+          <a:chOff x="0" y="0"/>
+          <a:chExt cx="0" cy="0"/>
+        </a:xfrm>
+      </p:grpSpPr>
+      <p:sp>
+        <p:nvSpPr>
+          <p:cNvPr id="2" name="Title 1">
+            <a:extLst>
+              <a:ext uri="{FF2B5EF4-FFF2-40B4-BE49-F238E27FC236}">
+                <a16:creationId xmlns:a16="http://schemas.microsoft.com/office/drawing/2014/main" id="{CAC9D373-3F39-4793-B82B-A4168A14DB57}"/>
+              </a:ext>
+            </a:extLst>
+          </p:cNvPr>
+          <p:cNvSpPr>
+            <a:spLocks noGrp="1"/>
+          </p:cNvSpPr>
+          <p:nvPr>
+            <p:ph type="title"/>
+          </p:nvPr>
+        </p:nvSpPr>
+        <p:spPr/>
+        <p:txBody>
+          <a:bodyPr/>
+          <a:lstStyle/>
+          <a:p>
+            <a:r>
+              <a:rPr lang="en-US" dirty="0"/>
+              <a:t>Next Steps</a:t>
+            </a:r>
+          </a:p>
+        </p:txBody>
+      </p:sp>
+      <p:sp>
+        <p:nvSpPr>
+          <p:cNvPr id="3" name="Content Placeholder 2">
+            <a:extLst>
+              <a:ext uri="{FF2B5EF4-FFF2-40B4-BE49-F238E27FC236}">
+                <a16:creationId xmlns:a16="http://schemas.microsoft.com/office/drawing/2014/main" id="{42EEBEE5-1EB4-402A-896C-45C0983C7BAC}"/>
+              </a:ext>
+            </a:extLst>
+          </p:cNvPr>
+          <p:cNvSpPr>
+            <a:spLocks noGrp="1"/>
+          </p:cNvSpPr>
+          <p:nvPr>
+            <p:ph idx="1"/>
+          </p:nvPr>
+        </p:nvSpPr>
+        <p:spPr/>
+        <p:txBody>
+          <a:bodyPr/>
+          <a:lstStyle/>
+          <a:p>
+            <a:endParaRPr lang="en-US"/>
+          </a:p>
+        </p:txBody>
+      </p:sp>
+    </p:spTree>
+    <p:extLst>
+      <p:ext uri="{BB962C8B-B14F-4D97-AF65-F5344CB8AC3E}">
+        <p14:creationId xmlns:p14="http://schemas.microsoft.com/office/powerpoint/2010/main" val="2699118565"/>
+      </p:ext>
+    </p:extLst>
+  </p:cSld>
+  <p:clrMapOvr>
+    <a:masterClrMapping/>
+  </p:clrMapOvr>
+</p:sld>
+</file>
+
 <file path=ppt/slides/slide2.xml><?xml version="1.0" encoding="utf-8"?>
 <p:sld xmlns:a="http://schemas.openxmlformats.org/drawingml/2006/main" xmlns:r="http://schemas.openxmlformats.org/officeDocument/2006/relationships" xmlns:p="http://schemas.openxmlformats.org/presentationml/2006/main">
   <p:cSld>
@@ -6880,8 +7112,8 @@
         </p:blipFill>
         <p:spPr>
           <a:xfrm>
-            <a:off x="1390586" y="2077263"/>
-            <a:ext cx="6534214" cy="4253039"/>
+            <a:off x="677334" y="1613017"/>
+            <a:ext cx="7247466" cy="4717286"/>
           </a:xfrm>
         </p:spPr>
       </p:pic>

--- a/Presentation Slides.pptx
+++ b/Presentation Slides.pptx
@@ -13,11 +13,9 @@
     <p:sldId id="261" r:id="rId7"/>
     <p:sldId id="262" r:id="rId8"/>
     <p:sldId id="263" r:id="rId9"/>
-    <p:sldId id="264" r:id="rId10"/>
-    <p:sldId id="265" r:id="rId11"/>
-    <p:sldId id="266" r:id="rId12"/>
-    <p:sldId id="267" r:id="rId13"/>
-    <p:sldId id="268" r:id="rId14"/>
+    <p:sldId id="266" r:id="rId10"/>
+    <p:sldId id="267" r:id="rId11"/>
+    <p:sldId id="268" r:id="rId12"/>
   </p:sldIdLst>
   <p:sldSz cx="12192000" cy="6858000"/>
   <p:notesSz cx="6858000" cy="9144000"/>
@@ -846,7 +844,7 @@
           <a:p>
             <a:fld id="{23261546-FE5A-41F9-A794-9902742CACA9}" type="datetimeFigureOut">
               <a:rPr lang="en-US" smtClean="0"/>
-              <a:t>2/3/2020</a:t>
+              <a:t>2/4/2020</a:t>
             </a:fld>
             <a:endParaRPr lang="en-US"/>
           </a:p>
@@ -1097,7 +1095,7 @@
           <a:p>
             <a:fld id="{23261546-FE5A-41F9-A794-9902742CACA9}" type="datetimeFigureOut">
               <a:rPr lang="en-US" smtClean="0"/>
-              <a:t>2/3/2020</a:t>
+              <a:t>2/4/2020</a:t>
             </a:fld>
             <a:endParaRPr lang="en-US"/>
           </a:p>
@@ -1411,7 +1409,7 @@
           <a:p>
             <a:fld id="{23261546-FE5A-41F9-A794-9902742CACA9}" type="datetimeFigureOut">
               <a:rPr lang="en-US" smtClean="0"/>
-              <a:t>2/3/2020</a:t>
+              <a:t>2/4/2020</a:t>
             </a:fld>
             <a:endParaRPr lang="en-US"/>
           </a:p>
@@ -1752,7 +1750,7 @@
           <a:p>
             <a:fld id="{23261546-FE5A-41F9-A794-9902742CACA9}" type="datetimeFigureOut">
               <a:rPr lang="en-US" smtClean="0"/>
-              <a:t>2/3/2020</a:t>
+              <a:t>2/4/2020</a:t>
             </a:fld>
             <a:endParaRPr lang="en-US"/>
           </a:p>
@@ -2066,7 +2064,7 @@
           <a:p>
             <a:fld id="{23261546-FE5A-41F9-A794-9902742CACA9}" type="datetimeFigureOut">
               <a:rPr lang="en-US" smtClean="0"/>
-              <a:t>2/3/2020</a:t>
+              <a:t>2/4/2020</a:t>
             </a:fld>
             <a:endParaRPr lang="en-US"/>
           </a:p>
@@ -2459,7 +2457,7 @@
           <a:p>
             <a:fld id="{23261546-FE5A-41F9-A794-9902742CACA9}" type="datetimeFigureOut">
               <a:rPr lang="en-US" smtClean="0"/>
-              <a:t>2/3/2020</a:t>
+              <a:t>2/4/2020</a:t>
             </a:fld>
             <a:endParaRPr lang="en-US"/>
           </a:p>
@@ -2629,7 +2627,7 @@
           <a:p>
             <a:fld id="{23261546-FE5A-41F9-A794-9902742CACA9}" type="datetimeFigureOut">
               <a:rPr lang="en-US" smtClean="0"/>
-              <a:t>2/3/2020</a:t>
+              <a:t>2/4/2020</a:t>
             </a:fld>
             <a:endParaRPr lang="en-US"/>
           </a:p>
@@ -2809,7 +2807,7 @@
           <a:p>
             <a:fld id="{23261546-FE5A-41F9-A794-9902742CACA9}" type="datetimeFigureOut">
               <a:rPr lang="en-US" smtClean="0"/>
-              <a:t>2/3/2020</a:t>
+              <a:t>2/4/2020</a:t>
             </a:fld>
             <a:endParaRPr lang="en-US"/>
           </a:p>
@@ -2985,7 +2983,7 @@
           <a:p>
             <a:fld id="{23261546-FE5A-41F9-A794-9902742CACA9}" type="datetimeFigureOut">
               <a:rPr lang="en-US" smtClean="0"/>
-              <a:t>2/3/2020</a:t>
+              <a:t>2/4/2020</a:t>
             </a:fld>
             <a:endParaRPr lang="en-US"/>
           </a:p>
@@ -3232,7 +3230,7 @@
           <a:p>
             <a:fld id="{23261546-FE5A-41F9-A794-9902742CACA9}" type="datetimeFigureOut">
               <a:rPr lang="en-US" smtClean="0"/>
-              <a:t>2/3/2020</a:t>
+              <a:t>2/4/2020</a:t>
             </a:fld>
             <a:endParaRPr lang="en-US"/>
           </a:p>
@@ -3464,7 +3462,7 @@
           <a:p>
             <a:fld id="{23261546-FE5A-41F9-A794-9902742CACA9}" type="datetimeFigureOut">
               <a:rPr lang="en-US" smtClean="0"/>
-              <a:t>2/3/2020</a:t>
+              <a:t>2/4/2020</a:t>
             </a:fld>
             <a:endParaRPr lang="en-US"/>
           </a:p>
@@ -3838,7 +3836,7 @@
           <a:p>
             <a:fld id="{23261546-FE5A-41F9-A794-9902742CACA9}" type="datetimeFigureOut">
               <a:rPr lang="en-US" smtClean="0"/>
-              <a:t>2/3/2020</a:t>
+              <a:t>2/4/2020</a:t>
             </a:fld>
             <a:endParaRPr lang="en-US"/>
           </a:p>
@@ -3961,7 +3959,7 @@
           <a:p>
             <a:fld id="{23261546-FE5A-41F9-A794-9902742CACA9}" type="datetimeFigureOut">
               <a:rPr lang="en-US" smtClean="0"/>
-              <a:t>2/3/2020</a:t>
+              <a:t>2/4/2020</a:t>
             </a:fld>
             <a:endParaRPr lang="en-US"/>
           </a:p>
@@ -4056,7 +4054,7 @@
           <a:p>
             <a:fld id="{23261546-FE5A-41F9-A794-9902742CACA9}" type="datetimeFigureOut">
               <a:rPr lang="en-US" smtClean="0"/>
-              <a:t>2/3/2020</a:t>
+              <a:t>2/4/2020</a:t>
             </a:fld>
             <a:endParaRPr lang="en-US"/>
           </a:p>
@@ -4311,7 +4309,7 @@
           <a:p>
             <a:fld id="{23261546-FE5A-41F9-A794-9902742CACA9}" type="datetimeFigureOut">
               <a:rPr lang="en-US" smtClean="0"/>
-              <a:t>2/3/2020</a:t>
+              <a:t>2/4/2020</a:t>
             </a:fld>
             <a:endParaRPr lang="en-US"/>
           </a:p>
@@ -4574,7 +4572,7 @@
           <a:p>
             <a:fld id="{23261546-FE5A-41F9-A794-9902742CACA9}" type="datetimeFigureOut">
               <a:rPr lang="en-US" smtClean="0"/>
-              <a:t>2/3/2020</a:t>
+              <a:t>2/4/2020</a:t>
             </a:fld>
             <a:endParaRPr lang="en-US"/>
           </a:p>
@@ -5317,7 +5315,7 @@
           <a:p>
             <a:fld id="{23261546-FE5A-41F9-A794-9902742CACA9}" type="datetimeFigureOut">
               <a:rPr lang="en-US" smtClean="0"/>
-              <a:t>2/3/2020</a:t>
+              <a:t>2/4/2020</a:t>
             </a:fld>
             <a:endParaRPr lang="en-US"/>
           </a:p>
@@ -5956,157 +5954,6 @@
           <p:cNvPr id="2" name="Title 1">
             <a:extLst>
               <a:ext uri="{FF2B5EF4-FFF2-40B4-BE49-F238E27FC236}">
-                <a16:creationId xmlns:a16="http://schemas.microsoft.com/office/drawing/2014/main" id="{D75C9AE7-ADED-4297-B1C9-CBFFCD745571}"/>
-              </a:ext>
-            </a:extLst>
-          </p:cNvPr>
-          <p:cNvSpPr>
-            <a:spLocks noGrp="1"/>
-          </p:cNvSpPr>
-          <p:nvPr>
-            <p:ph type="title"/>
-          </p:nvPr>
-        </p:nvSpPr>
-        <p:spPr/>
-        <p:txBody>
-          <a:bodyPr/>
-          <a:lstStyle/>
-          <a:p>
-            <a:r>
-              <a:rPr lang="en-US" dirty="0"/>
-              <a:t>Heatmap of Mexican Restaurants in Phoenix, AZ</a:t>
-            </a:r>
-          </a:p>
-        </p:txBody>
-      </p:sp>
-      <p:pic>
-        <p:nvPicPr>
-          <p:cNvPr id="5" name="Content Placeholder 4" descr="A picture containing text, map&#10;&#10;Description automatically generated">
-            <a:extLst>
-              <a:ext uri="{FF2B5EF4-FFF2-40B4-BE49-F238E27FC236}">
-                <a16:creationId xmlns:a16="http://schemas.microsoft.com/office/drawing/2014/main" id="{39E29D4B-CCE7-487C-B57F-E2D77F33260C}"/>
-              </a:ext>
-            </a:extLst>
-          </p:cNvPr>
-          <p:cNvPicPr>
-            <a:picLocks noGrp="1" noChangeAspect="1"/>
-          </p:cNvPicPr>
-          <p:nvPr>
-            <p:ph idx="1"/>
-          </p:nvPr>
-        </p:nvPicPr>
-        <p:blipFill>
-          <a:blip r:embed="rId2">
-            <a:extLst>
-              <a:ext uri="{28A0092B-C50C-407E-A947-70E740481C1C}">
-                <a14:useLocalDpi xmlns:a14="http://schemas.microsoft.com/office/drawing/2010/main" val="0"/>
-              </a:ext>
-            </a:extLst>
-          </a:blip>
-          <a:stretch>
-            <a:fillRect/>
-          </a:stretch>
-        </p:blipFill>
-        <p:spPr>
-          <a:xfrm>
-            <a:off x="1057275" y="1930400"/>
-            <a:ext cx="6972300" cy="4436028"/>
-          </a:xfrm>
-        </p:spPr>
-      </p:pic>
-    </p:spTree>
-    <p:extLst>
-      <p:ext uri="{BB962C8B-B14F-4D97-AF65-F5344CB8AC3E}">
-        <p14:creationId xmlns:p14="http://schemas.microsoft.com/office/powerpoint/2010/main" val="721593589"/>
-      </p:ext>
-    </p:extLst>
-  </p:cSld>
-  <p:clrMapOvr>
-    <a:masterClrMapping/>
-  </p:clrMapOvr>
-</p:sld>
-</file>
-
-<file path=ppt/slides/slide11.xml><?xml version="1.0" encoding="utf-8"?>
-<p:sld xmlns:a="http://schemas.openxmlformats.org/drawingml/2006/main" xmlns:r="http://schemas.openxmlformats.org/officeDocument/2006/relationships" xmlns:p="http://schemas.openxmlformats.org/presentationml/2006/main">
-  <p:cSld>
-    <p:spTree>
-      <p:nvGrpSpPr>
-        <p:cNvPr id="1" name=""/>
-        <p:cNvGrpSpPr/>
-        <p:nvPr/>
-      </p:nvGrpSpPr>
-      <p:grpSpPr>
-        <a:xfrm>
-          <a:off x="0" y="0"/>
-          <a:ext cx="0" cy="0"/>
-          <a:chOff x="0" y="0"/>
-          <a:chExt cx="0" cy="0"/>
-        </a:xfrm>
-      </p:grpSpPr>
-      <p:sp>
-        <p:nvSpPr>
-          <p:cNvPr id="2" name="Title 1">
-            <a:extLst>
-              <a:ext uri="{FF2B5EF4-FFF2-40B4-BE49-F238E27FC236}">
-                <a16:creationId xmlns:a16="http://schemas.microsoft.com/office/drawing/2014/main" id="{9FDAA5C8-DFB8-483B-862F-C7744F46AC73}"/>
-              </a:ext>
-            </a:extLst>
-          </p:cNvPr>
-          <p:cNvSpPr>
-            <a:spLocks noGrp="1"/>
-          </p:cNvSpPr>
-          <p:nvPr>
-            <p:ph type="ctrTitle"/>
-          </p:nvPr>
-        </p:nvSpPr>
-        <p:spPr/>
-        <p:txBody>
-          <a:bodyPr/>
-          <a:lstStyle/>
-          <a:p>
-            <a:r>
-              <a:rPr lang="en-US" dirty="0"/>
-              <a:t>Conclusions</a:t>
-            </a:r>
-          </a:p>
-        </p:txBody>
-      </p:sp>
-    </p:spTree>
-    <p:extLst>
-      <p:ext uri="{BB962C8B-B14F-4D97-AF65-F5344CB8AC3E}">
-        <p14:creationId xmlns:p14="http://schemas.microsoft.com/office/powerpoint/2010/main" val="3423541751"/>
-      </p:ext>
-    </p:extLst>
-  </p:cSld>
-  <p:clrMapOvr>
-    <a:masterClrMapping/>
-  </p:clrMapOvr>
-</p:sld>
-</file>
-
-<file path=ppt/slides/slide12.xml><?xml version="1.0" encoding="utf-8"?>
-<p:sld xmlns:a="http://schemas.openxmlformats.org/drawingml/2006/main" xmlns:r="http://schemas.openxmlformats.org/officeDocument/2006/relationships" xmlns:p="http://schemas.openxmlformats.org/presentationml/2006/main">
-  <p:cSld>
-    <p:spTree>
-      <p:nvGrpSpPr>
-        <p:cNvPr id="1" name=""/>
-        <p:cNvGrpSpPr/>
-        <p:nvPr/>
-      </p:nvGrpSpPr>
-      <p:grpSpPr>
-        <a:xfrm>
-          <a:off x="0" y="0"/>
-          <a:ext cx="0" cy="0"/>
-          <a:chOff x="0" y="0"/>
-          <a:chExt cx="0" cy="0"/>
-        </a:xfrm>
-      </p:grpSpPr>
-      <p:sp>
-        <p:nvSpPr>
-          <p:cNvPr id="2" name="Title 1">
-            <a:extLst>
-              <a:ext uri="{FF2B5EF4-FFF2-40B4-BE49-F238E27FC236}">
                 <a16:creationId xmlns:a16="http://schemas.microsoft.com/office/drawing/2014/main" id="{C835248E-51F9-4D8F-82EE-D9AC3F8F8629}"/>
               </a:ext>
             </a:extLst>
@@ -6168,7 +6015,7 @@
 </p:sld>
 </file>
 
-<file path=ppt/slides/slide13.xml><?xml version="1.0" encoding="utf-8"?>
+<file path=ppt/slides/slide11.xml><?xml version="1.0" encoding="utf-8"?>
 <p:sld xmlns:a="http://schemas.openxmlformats.org/drawingml/2006/main" xmlns:r="http://schemas.openxmlformats.org/officeDocument/2006/relationships" xmlns:p="http://schemas.openxmlformats.org/presentationml/2006/main">
   <p:cSld>
     <p:spTree>
@@ -7059,7 +6906,7 @@
           <p:cNvPr id="2" name="Title 1">
             <a:extLst>
               <a:ext uri="{FF2B5EF4-FFF2-40B4-BE49-F238E27FC236}">
-                <a16:creationId xmlns:a16="http://schemas.microsoft.com/office/drawing/2014/main" id="{AD15AFCA-5D59-408F-9A17-867AF7406C06}"/>
+                <a16:creationId xmlns:a16="http://schemas.microsoft.com/office/drawing/2014/main" id="{9FDAA5C8-DFB8-483B-862F-C7744F46AC73}"/>
               </a:ext>
             </a:extLst>
           </p:cNvPr>
@@ -7067,7 +6914,7 @@
             <a:spLocks noGrp="1"/>
           </p:cNvSpPr>
           <p:nvPr>
-            <p:ph type="title"/>
+            <p:ph type="ctrTitle"/>
           </p:nvPr>
         </p:nvSpPr>
         <p:spPr/>
@@ -7077,50 +6924,15 @@
           <a:p>
             <a:r>
               <a:rPr lang="en-US" dirty="0"/>
-              <a:t>Heat Map of Restaurants in Phoenix, AZ</a:t>
-            </a:r>
-          </a:p>
-        </p:txBody>
-      </p:sp>
-      <p:pic>
-        <p:nvPicPr>
-          <p:cNvPr id="5" name="Content Placeholder 4" descr="A picture containing text, map&#10;&#10;Description automatically generated">
-            <a:extLst>
-              <a:ext uri="{FF2B5EF4-FFF2-40B4-BE49-F238E27FC236}">
-                <a16:creationId xmlns:a16="http://schemas.microsoft.com/office/drawing/2014/main" id="{9D9C6005-EA30-4DB6-8024-5AA215C0A7BF}"/>
-              </a:ext>
-            </a:extLst>
-          </p:cNvPr>
-          <p:cNvPicPr>
-            <a:picLocks noGrp="1" noChangeAspect="1"/>
-          </p:cNvPicPr>
-          <p:nvPr>
-            <p:ph idx="1"/>
-          </p:nvPr>
-        </p:nvPicPr>
-        <p:blipFill>
-          <a:blip r:embed="rId2">
-            <a:extLst>
-              <a:ext uri="{28A0092B-C50C-407E-A947-70E740481C1C}">
-                <a14:useLocalDpi xmlns:a14="http://schemas.microsoft.com/office/drawing/2010/main" val="0"/>
-              </a:ext>
-            </a:extLst>
-          </a:blip>
-          <a:stretch>
-            <a:fillRect/>
-          </a:stretch>
-        </p:blipFill>
-        <p:spPr>
-          <a:xfrm>
-            <a:off x="677334" y="1613017"/>
-            <a:ext cx="7247466" cy="4717286"/>
-          </a:xfrm>
-        </p:spPr>
-      </p:pic>
+              <a:t>Conclusions</a:t>
+            </a:r>
+          </a:p>
+        </p:txBody>
+      </p:sp>
     </p:spTree>
     <p:extLst>
       <p:ext uri="{BB962C8B-B14F-4D97-AF65-F5344CB8AC3E}">
-        <p14:creationId xmlns:p14="http://schemas.microsoft.com/office/powerpoint/2010/main" val="2038456860"/>
+        <p14:creationId xmlns:p14="http://schemas.microsoft.com/office/powerpoint/2010/main" val="3423541751"/>
       </p:ext>
     </p:extLst>
   </p:cSld>
